--- a/Project demonstration.pptx
+++ b/Project demonstration.pptx
@@ -22,16 +22,17 @@
     <p:sldId id="267" r:id="rId17"/>
     <p:sldId id="268" r:id="rId18"/>
     <p:sldId id="269" r:id="rId19"/>
+    <p:sldId id="270" r:id="rId20"/>
   </p:sldIdLst>
   <p:sldSz cy="5143500" cx="9144000"/>
   <p:notesSz cx="6858000" cy="9144000"/>
   <p:embeddedFontLst>
     <p:embeddedFont>
       <p:font typeface="Nunito"/>
-      <p:regular r:id="rId20"/>
-      <p:bold r:id="rId21"/>
-      <p:italic r:id="rId22"/>
-      <p:boldItalic r:id="rId23"/>
+      <p:regular r:id="rId21"/>
+      <p:bold r:id="rId22"/>
+      <p:italic r:id="rId23"/>
+      <p:boldItalic r:id="rId24"/>
     </p:embeddedFont>
   </p:embeddedFontLst>
   <p:defaultTextStyle>
@@ -911,7 +912,7 @@
   <p:cSld>
     <p:spTree>
       <p:nvGrpSpPr>
-        <p:cNvPr id="208" name="Shape 208"/>
+        <p:cNvPr id="207" name="Shape 207"/>
         <p:cNvGrpSpPr/>
         <p:nvPr/>
       </p:nvGrpSpPr>
@@ -925,7 +926,7 @@
       </p:grpSpPr>
       <p:sp>
         <p:nvSpPr>
-          <p:cNvPr id="209" name="Google Shape;209;g21d44af3ea2_1_78:notes"/>
+          <p:cNvPr id="208" name="Google Shape;208;g23935918d5b_0_0:notes"/>
           <p:cNvSpPr/>
           <p:nvPr>
             <p:ph idx="2" type="sldImg"/>
@@ -960,7 +961,7 @@
       </p:sp>
       <p:sp>
         <p:nvSpPr>
-          <p:cNvPr id="210" name="Google Shape;210;g21d44af3ea2_1_78:notes"/>
+          <p:cNvPr id="209" name="Google Shape;209;g23935918d5b_0_0:notes"/>
           <p:cNvSpPr txBox="1"/>
           <p:nvPr>
             <p:ph idx="1" type="body"/>
@@ -1010,7 +1011,7 @@
   <p:cSld>
     <p:spTree>
       <p:nvGrpSpPr>
-        <p:cNvPr id="217" name="Shape 217"/>
+        <p:cNvPr id="214" name="Shape 214"/>
         <p:cNvGrpSpPr/>
         <p:nvPr/>
       </p:nvGrpSpPr>
@@ -1024,7 +1025,7 @@
       </p:grpSpPr>
       <p:sp>
         <p:nvSpPr>
-          <p:cNvPr id="218" name="Google Shape;218;g21d44af3ea2_1_34:notes"/>
+          <p:cNvPr id="215" name="Google Shape;215;g21d44af3ea2_1_78:notes"/>
           <p:cNvSpPr/>
           <p:nvPr>
             <p:ph idx="2" type="sldImg"/>
@@ -1059,7 +1060,7 @@
       </p:sp>
       <p:sp>
         <p:nvSpPr>
-          <p:cNvPr id="219" name="Google Shape;219;g21d44af3ea2_1_34:notes"/>
+          <p:cNvPr id="216" name="Google Shape;216;g21d44af3ea2_1_78:notes"/>
           <p:cNvSpPr txBox="1"/>
           <p:nvPr>
             <p:ph idx="1" type="body"/>
@@ -1109,7 +1110,7 @@
   <p:cSld>
     <p:spTree>
       <p:nvGrpSpPr>
-        <p:cNvPr id="224" name="Shape 224"/>
+        <p:cNvPr id="223" name="Shape 223"/>
         <p:cNvGrpSpPr/>
         <p:nvPr/>
       </p:nvGrpSpPr>
@@ -1123,7 +1124,7 @@
       </p:grpSpPr>
       <p:sp>
         <p:nvSpPr>
-          <p:cNvPr id="225" name="Google Shape;225;g21d44af3ea2_1_88:notes"/>
+          <p:cNvPr id="224" name="Google Shape;224;g21d44af3ea2_1_34:notes"/>
           <p:cNvSpPr/>
           <p:nvPr>
             <p:ph idx="2" type="sldImg"/>
@@ -1158,7 +1159,7 @@
       </p:sp>
       <p:sp>
         <p:nvSpPr>
-          <p:cNvPr id="226" name="Google Shape;226;g21d44af3ea2_1_88:notes"/>
+          <p:cNvPr id="225" name="Google Shape;225;g21d44af3ea2_1_34:notes"/>
           <p:cNvSpPr txBox="1"/>
           <p:nvPr>
             <p:ph idx="1" type="body"/>
@@ -1222,7 +1223,7 @@
       </p:grpSpPr>
       <p:sp>
         <p:nvSpPr>
-          <p:cNvPr id="231" name="Google Shape;231;g22b5ae8158b_0_85:notes"/>
+          <p:cNvPr id="231" name="Google Shape;231;g21d44af3ea2_1_88:notes"/>
           <p:cNvSpPr/>
           <p:nvPr>
             <p:ph idx="2" type="sldImg"/>
@@ -1257,7 +1258,106 @@
       </p:sp>
       <p:sp>
         <p:nvSpPr>
-          <p:cNvPr id="232" name="Google Shape;232;g22b5ae8158b_0_85:notes"/>
+          <p:cNvPr id="232" name="Google Shape;232;g21d44af3ea2_1_88:notes"/>
+          <p:cNvSpPr txBox="1"/>
+          <p:nvPr>
+            <p:ph idx="1" type="body"/>
+          </p:nvPr>
+        </p:nvSpPr>
+        <p:spPr>
+          <a:xfrm>
+            <a:off x="685800" y="4343400"/>
+            <a:ext cx="5486400" cy="4114800"/>
+          </a:xfrm>
+          <a:prstGeom prst="rect">
+            <a:avLst/>
+          </a:prstGeom>
+        </p:spPr>
+        <p:txBody>
+          <a:bodyPr anchorCtr="0" anchor="t" bIns="91425" lIns="91425" spcFirstLastPara="1" rIns="91425" wrap="square" tIns="91425">
+            <a:noAutofit/>
+          </a:bodyPr>
+          <a:lstStyle/>
+          <a:p>
+            <a:pPr indent="0" lvl="0" marL="0" rtl="0" algn="l">
+              <a:spcBef>
+                <a:spcPts val="0"/>
+              </a:spcBef>
+              <a:spcAft>
+                <a:spcPts val="0"/>
+              </a:spcAft>
+              <a:buNone/>
+            </a:pPr>
+            <a:r>
+              <a:t/>
+            </a:r>
+            <a:endParaRPr/>
+          </a:p>
+        </p:txBody>
+      </p:sp>
+    </p:spTree>
+  </p:cSld>
+  <p:clrMapOvr>
+    <a:masterClrMapping/>
+  </p:clrMapOvr>
+</p:notes>
+</file>
+
+<file path=ppt/notesSlides/notesSlide15.xml><?xml version="1.0" encoding="utf-8"?>
+<p:notes xmlns:a="http://schemas.openxmlformats.org/drawingml/2006/main" xmlns:r="http://schemas.openxmlformats.org/officeDocument/2006/relationships" xmlns:mc="http://schemas.openxmlformats.org/markup-compatibility/2006" xmlns:mv="urn:schemas-microsoft-com:mac:vml" xmlns:p="http://schemas.openxmlformats.org/presentationml/2006/main" xmlns:c="http://schemas.openxmlformats.org/drawingml/2006/chart" xmlns:dgm="http://schemas.openxmlformats.org/drawingml/2006/diagram" xmlns:o="urn:schemas-microsoft-com:office:office" xmlns:v="urn:schemas-microsoft-com:vml" xmlns:pvml="urn:schemas-microsoft-com:office:powerpoint" xmlns:com="http://schemas.openxmlformats.org/drawingml/2006/compatibility" xmlns:p14="http://schemas.microsoft.com/office/powerpoint/2010/main" xmlns:p15="http://schemas.microsoft.com/office/powerpoint/2012/main" xmlns:ahyp="http://schemas.microsoft.com/office/drawing/2018/hyperlinkcolor" showMasterPhAnim="0" showMasterSp="0">
+  <p:cSld>
+    <p:spTree>
+      <p:nvGrpSpPr>
+        <p:cNvPr id="236" name="Shape 236"/>
+        <p:cNvGrpSpPr/>
+        <p:nvPr/>
+      </p:nvGrpSpPr>
+      <p:grpSpPr>
+        <a:xfrm>
+          <a:off x="0" y="0"/>
+          <a:ext cx="0" cy="0"/>
+          <a:chOff x="0" y="0"/>
+          <a:chExt cx="0" cy="0"/>
+        </a:xfrm>
+      </p:grpSpPr>
+      <p:sp>
+        <p:nvSpPr>
+          <p:cNvPr id="237" name="Google Shape;237;g22b5ae8158b_0_85:notes"/>
+          <p:cNvSpPr/>
+          <p:nvPr>
+            <p:ph idx="2" type="sldImg"/>
+          </p:nvPr>
+        </p:nvSpPr>
+        <p:spPr>
+          <a:xfrm>
+            <a:off x="381300" y="685800"/>
+            <a:ext cx="6096000" cy="3429000"/>
+          </a:xfrm>
+          <a:custGeom>
+            <a:rect b="b" l="l" r="r" t="t"/>
+            <a:pathLst>
+              <a:path extrusionOk="0" h="120000" w="120000">
+                <a:moveTo>
+                  <a:pt x="0" y="0"/>
+                </a:moveTo>
+                <a:lnTo>
+                  <a:pt x="120000" y="0"/>
+                </a:lnTo>
+                <a:lnTo>
+                  <a:pt x="120000" y="120000"/>
+                </a:lnTo>
+                <a:lnTo>
+                  <a:pt x="0" y="120000"/>
+                </a:lnTo>
+                <a:close/>
+              </a:path>
+            </a:pathLst>
+          </a:custGeom>
+        </p:spPr>
+      </p:sp>
+      <p:sp>
+        <p:nvSpPr>
+          <p:cNvPr id="238" name="Google Shape;238;g22b5ae8158b_0_85:notes"/>
           <p:cNvSpPr txBox="1"/>
           <p:nvPr>
             <p:ph idx="1" type="body"/>
@@ -10429,7 +10529,7 @@
         <p:spPr>
           <a:xfrm>
             <a:off x="583400" y="1328575"/>
-            <a:ext cx="6993000" cy="1832100"/>
+            <a:ext cx="6993000" cy="2055300"/>
           </a:xfrm>
           <a:prstGeom prst="rect">
             <a:avLst/>
@@ -10441,7 +10541,7 @@
           </a:bodyPr>
           <a:lstStyle/>
           <a:p>
-            <a:pPr indent="-311626" lvl="0" marL="457200" rtl="0" algn="l">
+            <a:pPr indent="-317976" lvl="0" marL="457200" rtl="0" algn="l">
               <a:lnSpc>
                 <a:spcPct val="95000"/>
               </a:lnSpc>
@@ -10451,14 +10551,14 @@
               <a:spcAft>
                 <a:spcPts val="0"/>
               </a:spcAft>
-              <a:buSzPts val="1308"/>
+              <a:buSzPts val="1408"/>
               <a:buChar char="●"/>
             </a:pPr>
             <a:r>
-              <a:rPr lang="en" sz="1307"/>
+              <a:rPr lang="en" sz="1407"/>
               <a:t>Learning curve with Unity tools, scripting, and concepts like GameObjects and </a:t>
             </a:r>
-            <a:endParaRPr sz="1307"/>
+            <a:endParaRPr sz="1407"/>
           </a:p>
           <a:p>
             <a:pPr indent="0" lvl="0" marL="457200" rtl="0" algn="l">
@@ -10474,13 +10574,13 @@
               <a:buNone/>
             </a:pPr>
             <a:r>
-              <a:rPr lang="en" sz="1307"/>
+              <a:rPr lang="en" sz="1407"/>
               <a:t>components</a:t>
             </a:r>
-            <a:endParaRPr sz="1307"/>
-          </a:p>
-          <a:p>
-            <a:pPr indent="-311626" lvl="0" marL="457200" rtl="0" algn="l">
+            <a:endParaRPr sz="1407"/>
+          </a:p>
+          <a:p>
+            <a:pPr indent="-317976" lvl="0" marL="457200" rtl="0" algn="l">
               <a:lnSpc>
                 <a:spcPct val="95000"/>
               </a:lnSpc>
@@ -10490,14 +10590,14 @@
               <a:spcAft>
                 <a:spcPts val="0"/>
               </a:spcAft>
-              <a:buSzPts val="1308"/>
+              <a:buSzPts val="1408"/>
               <a:buChar char="●"/>
             </a:pPr>
             <a:r>
-              <a:rPr lang="en" sz="1307"/>
+              <a:rPr lang="en" sz="1407"/>
               <a:t>Difficulties in implementing specific game mechanics or features </a:t>
             </a:r>
-            <a:endParaRPr sz="1307"/>
+            <a:endParaRPr sz="1407"/>
           </a:p>
           <a:p>
             <a:pPr indent="0" lvl="0" marL="457200" rtl="0" algn="l">
@@ -10514,13 +10614,13 @@
               <a:buNone/>
             </a:pPr>
             <a:r>
-              <a:rPr lang="en" sz="1307"/>
+              <a:rPr lang="en" sz="1407"/>
               <a:t>(e.g., collision detection, piece movement, move validation)</a:t>
             </a:r>
-            <a:endParaRPr sz="1307"/>
-          </a:p>
-          <a:p>
-            <a:pPr indent="-311626" lvl="0" marL="457200" rtl="0" algn="l">
+            <a:endParaRPr sz="1407"/>
+          </a:p>
+          <a:p>
+            <a:pPr indent="-317976" lvl="0" marL="457200" rtl="0" algn="l">
               <a:lnSpc>
                 <a:spcPct val="95000"/>
               </a:lnSpc>
@@ -10530,34 +10630,14 @@
               <a:spcAft>
                 <a:spcPts val="0"/>
               </a:spcAft>
-              <a:buSzPts val="1308"/>
+              <a:buSzPts val="1408"/>
               <a:buChar char="●"/>
             </a:pPr>
             <a:r>
-              <a:rPr lang="en" sz="1307"/>
-              <a:t>Inability to incorporate AI</a:t>
-            </a:r>
-            <a:endParaRPr sz="1307"/>
-          </a:p>
-          <a:p>
-            <a:pPr indent="-311626" lvl="0" marL="457200" rtl="0" algn="l">
-              <a:lnSpc>
-                <a:spcPct val="95000"/>
-              </a:lnSpc>
-              <a:spcBef>
-                <a:spcPts val="0"/>
-              </a:spcBef>
-              <a:spcAft>
-                <a:spcPts val="0"/>
-              </a:spcAft>
-              <a:buSzPts val="1308"/>
-              <a:buChar char="●"/>
-            </a:pPr>
-            <a:r>
-              <a:rPr lang="en" sz="1307"/>
-              <a:t>Merging remote branches on Github and resolving conflicts</a:t>
-            </a:r>
-            <a:endParaRPr sz="1307"/>
+              <a:rPr lang="en" sz="1407"/>
+              <a:t>Difficulty incorporating AI in the game</a:t>
+            </a:r>
+            <a:endParaRPr sz="1407"/>
           </a:p>
           <a:p>
             <a:pPr indent="0" lvl="0" marL="457200" rtl="0" algn="l">
@@ -10568,7 +10648,25 @@
                 <a:spcPts val="1200"/>
               </a:spcBef>
               <a:spcAft>
+                <a:spcPts val="0"/>
+              </a:spcAft>
+              <a:buNone/>
+            </a:pPr>
+            <a:r>
+              <a:t/>
+            </a:r>
+            <a:endParaRPr sz="1407"/>
+          </a:p>
+          <a:p>
+            <a:pPr indent="0" lvl="0" marL="457200" rtl="0" algn="l">
+              <a:lnSpc>
+                <a:spcPct val="95000"/>
+              </a:lnSpc>
+              <a:spcBef>
                 <a:spcPts val="1200"/>
+              </a:spcBef>
+              <a:spcAft>
+                <a:spcPts val="1200"/>
               </a:spcAft>
               <a:buSzPts val="852"/>
               <a:buNone/>
@@ -10576,7 +10674,7 @@
             <a:r>
               <a:t/>
             </a:r>
-            <a:endParaRPr sz="1307"/>
+            <a:endParaRPr sz="1407"/>
           </a:p>
         </p:txBody>
       </p:sp>
@@ -10596,36 +10694,8 @@
         </p:blipFill>
         <p:spPr>
           <a:xfrm>
-            <a:off x="6714950" y="353125"/>
+            <a:off x="5975700" y="2029450"/>
             <a:ext cx="1839125" cy="2638250"/>
-          </a:xfrm>
-          <a:prstGeom prst="rect">
-            <a:avLst/>
-          </a:prstGeom>
-          <a:noFill/>
-          <a:ln>
-            <a:noFill/>
-          </a:ln>
-        </p:spPr>
-      </p:pic>
-      <p:pic>
-        <p:nvPicPr>
-          <p:cNvPr id="207" name="Google Shape;207;p22"/>
-          <p:cNvPicPr preferRelativeResize="0"/>
-          <p:nvPr/>
-        </p:nvPicPr>
-        <p:blipFill>
-          <a:blip r:embed="rId4">
-            <a:alphaModFix/>
-          </a:blip>
-          <a:stretch>
-            <a:fillRect/>
-          </a:stretch>
-        </p:blipFill>
-        <p:spPr>
-          <a:xfrm>
-            <a:off x="513300" y="3240200"/>
-            <a:ext cx="6431474" cy="1397225"/>
           </a:xfrm>
           <a:prstGeom prst="rect">
             <a:avLst/>
@@ -10649,7 +10719,7 @@
   <p:cSld>
     <p:spTree>
       <p:nvGrpSpPr>
-        <p:cNvPr id="211" name="Shape 211"/>
+        <p:cNvPr id="210" name="Shape 210"/>
         <p:cNvGrpSpPr/>
         <p:nvPr/>
       </p:nvGrpSpPr>
@@ -10663,7 +10733,7 @@
       </p:grpSpPr>
       <p:sp>
         <p:nvSpPr>
-          <p:cNvPr id="212" name="Google Shape;212;p23"/>
+          <p:cNvPr id="211" name="Google Shape;211;p23"/>
           <p:cNvSpPr txBox="1"/>
           <p:nvPr>
             <p:ph type="title"/>
@@ -10680,7 +10750,7 @@
         </p:spPr>
         <p:txBody>
           <a:bodyPr anchorCtr="0" anchor="t" bIns="91425" lIns="91425" spcFirstLastPara="1" rIns="91425" wrap="square" tIns="91425">
-            <a:normAutofit fontScale="90000"/>
+            <a:normAutofit/>
           </a:bodyPr>
           <a:lstStyle/>
           <a:p>
@@ -10695,37 +10765,7 @@
             </a:pPr>
             <a:r>
               <a:rPr lang="en"/>
-              <a:t>Solutions and Workarounds:</a:t>
-            </a:r>
-            <a:endParaRPr/>
-          </a:p>
-          <a:p>
-            <a:pPr indent="0" lvl="0" marL="0" rtl="0" algn="l">
-              <a:spcBef>
-                <a:spcPts val="0"/>
-              </a:spcBef>
-              <a:spcAft>
-                <a:spcPts val="0"/>
-              </a:spcAft>
-              <a:buNone/>
-            </a:pPr>
-            <a:r>
-              <a:t/>
-            </a:r>
-            <a:endParaRPr/>
-          </a:p>
-          <a:p>
-            <a:pPr indent="0" lvl="0" marL="0" rtl="0" algn="l">
-              <a:spcBef>
-                <a:spcPts val="0"/>
-              </a:spcBef>
-              <a:spcAft>
-                <a:spcPts val="0"/>
-              </a:spcAft>
-              <a:buNone/>
-            </a:pPr>
-            <a:r>
-              <a:t/>
+              <a:t>Challenges faced</a:t>
             </a:r>
             <a:endParaRPr/>
           </a:p>
@@ -10733,7 +10773,7 @@
       </p:sp>
       <p:sp>
         <p:nvSpPr>
-          <p:cNvPr id="213" name="Google Shape;213;p23"/>
+          <p:cNvPr id="212" name="Google Shape;212;p23"/>
           <p:cNvSpPr txBox="1"/>
           <p:nvPr>
             <p:ph idx="1" type="body"/>
@@ -10741,8 +10781,8 @@
         </p:nvSpPr>
         <p:spPr>
           <a:xfrm>
-            <a:off x="583400" y="1593900"/>
-            <a:ext cx="6471000" cy="1955700"/>
+            <a:off x="583400" y="1328575"/>
+            <a:ext cx="6993000" cy="1630500"/>
           </a:xfrm>
           <a:prstGeom prst="rect">
             <a:avLst/>
@@ -10750,82 +10790,139 @@
         </p:spPr>
         <p:txBody>
           <a:bodyPr anchorCtr="0" anchor="t" bIns="91425" lIns="91425" spcFirstLastPara="1" rIns="91425" wrap="square" tIns="91425">
-            <a:normAutofit/>
+            <a:noAutofit/>
           </a:bodyPr>
           <a:lstStyle/>
           <a:p>
-            <a:pPr indent="-311150" lvl="0" marL="457200" rtl="0" algn="l">
-              <a:spcBef>
-                <a:spcPts val="0"/>
-              </a:spcBef>
-              <a:spcAft>
-                <a:spcPts val="0"/>
-              </a:spcAft>
-              <a:buSzPts val="1300"/>
+            <a:pPr indent="-317976" lvl="0" marL="457200" rtl="0" algn="l">
+              <a:lnSpc>
+                <a:spcPct val="95000"/>
+              </a:lnSpc>
+              <a:spcBef>
+                <a:spcPts val="0"/>
+              </a:spcBef>
+              <a:spcAft>
+                <a:spcPts val="0"/>
+              </a:spcAft>
+              <a:buSzPts val="1408"/>
               <a:buChar char="●"/>
             </a:pPr>
             <a:r>
-              <a:rPr lang="en"/>
-              <a:t>Researching solutions through Unity documentation, forums, and tutorials</a:t>
-            </a:r>
-            <a:endParaRPr/>
-          </a:p>
-          <a:p>
-            <a:pPr indent="-311150" lvl="0" marL="457200" rtl="0" algn="l">
-              <a:spcBef>
-                <a:spcPts val="0"/>
-              </a:spcBef>
-              <a:spcAft>
-                <a:spcPts val="0"/>
-              </a:spcAft>
-              <a:buSzPts val="1300"/>
+              <a:rPr lang="en" sz="1407"/>
+              <a:t>Poor encapsulation</a:t>
+            </a:r>
+            <a:endParaRPr sz="1407"/>
+          </a:p>
+          <a:p>
+            <a:pPr indent="-317976" lvl="1" marL="914400" rtl="0" algn="l">
+              <a:lnSpc>
+                <a:spcPct val="95000"/>
+              </a:lnSpc>
+              <a:spcBef>
+                <a:spcPts val="0"/>
+              </a:spcBef>
+              <a:spcAft>
+                <a:spcPts val="0"/>
+              </a:spcAft>
+              <a:buSzPts val="1408"/>
+              <a:buChar char="○"/>
+            </a:pPr>
+            <a:r>
+              <a:rPr lang="en" sz="1407"/>
+              <a:t>Did not establish strict </a:t>
+            </a:r>
+            <a:r>
+              <a:rPr lang="en" sz="1407"/>
+              <a:t>boundaries</a:t>
+            </a:r>
+            <a:r>
+              <a:rPr lang="en" sz="1407"/>
+              <a:t> for classes</a:t>
+            </a:r>
+            <a:endParaRPr sz="1407"/>
+          </a:p>
+          <a:p>
+            <a:pPr indent="-317976" lvl="1" marL="914400" rtl="0" algn="l">
+              <a:lnSpc>
+                <a:spcPct val="95000"/>
+              </a:lnSpc>
+              <a:spcBef>
+                <a:spcPts val="0"/>
+              </a:spcBef>
+              <a:spcAft>
+                <a:spcPts val="0"/>
+              </a:spcAft>
+              <a:buSzPts val="1408"/>
+              <a:buChar char="○"/>
+            </a:pPr>
+            <a:r>
+              <a:rPr lang="en" sz="1407"/>
+              <a:t>Overlapping functionality in our separate contributions</a:t>
+            </a:r>
+            <a:endParaRPr sz="1407"/>
+          </a:p>
+          <a:p>
+            <a:pPr indent="0" lvl="0" marL="914400" rtl="0" algn="l">
+              <a:lnSpc>
+                <a:spcPct val="95000"/>
+              </a:lnSpc>
+              <a:spcBef>
+                <a:spcPts val="1200"/>
+              </a:spcBef>
+              <a:spcAft>
+                <a:spcPts val="0"/>
+              </a:spcAft>
+              <a:buNone/>
+            </a:pPr>
+            <a:r>
+              <a:t/>
+            </a:r>
+            <a:endParaRPr sz="1407"/>
+          </a:p>
+          <a:p>
+            <a:pPr indent="-317976" lvl="0" marL="457200" rtl="0" algn="l">
+              <a:lnSpc>
+                <a:spcPct val="95000"/>
+              </a:lnSpc>
+              <a:spcBef>
+                <a:spcPts val="1200"/>
+              </a:spcBef>
+              <a:spcAft>
+                <a:spcPts val="0"/>
+              </a:spcAft>
+              <a:buSzPts val="1408"/>
               <a:buChar char="●"/>
             </a:pPr>
             <a:r>
-              <a:rPr lang="en"/>
-              <a:t>Seeking feedback and advice from peers or mentors</a:t>
-            </a:r>
-            <a:endParaRPr/>
-          </a:p>
-          <a:p>
-            <a:pPr indent="-311150" lvl="0" marL="457200" rtl="0" algn="l">
-              <a:spcBef>
-                <a:spcPts val="0"/>
-              </a:spcBef>
-              <a:spcAft>
-                <a:spcPts val="0"/>
-              </a:spcAft>
-              <a:buSzPts val="1300"/>
-              <a:buChar char="●"/>
-            </a:pPr>
-            <a:r>
-              <a:rPr lang="en"/>
-              <a:t>Adapting designs or features to overcome constraints and limitations </a:t>
-            </a:r>
-            <a:endParaRPr/>
-          </a:p>
-          <a:p>
-            <a:pPr indent="-311150" lvl="1" marL="914400" rtl="0" algn="l">
-              <a:spcBef>
-                <a:spcPts val="0"/>
-              </a:spcBef>
-              <a:spcAft>
-                <a:spcPts val="0"/>
-              </a:spcAft>
-              <a:buSzPts val="1300"/>
-              <a:buChar char="○"/>
-            </a:pPr>
-            <a:r>
-              <a:rPr lang="en" sz="1300"/>
-              <a:t>Sacrificing readability and maintainability for function</a:t>
-            </a:r>
-            <a:endParaRPr sz="1300"/>
+              <a:rPr lang="en" sz="1407"/>
+              <a:t>Merging remote branches on Github and resolving conflicts</a:t>
+            </a:r>
+            <a:endParaRPr sz="1407"/>
+          </a:p>
+          <a:p>
+            <a:pPr indent="0" lvl="0" marL="457200" rtl="0" algn="l">
+              <a:lnSpc>
+                <a:spcPct val="95000"/>
+              </a:lnSpc>
+              <a:spcBef>
+                <a:spcPts val="1200"/>
+              </a:spcBef>
+              <a:spcAft>
+                <a:spcPts val="1200"/>
+              </a:spcAft>
+              <a:buSzPts val="852"/>
+              <a:buNone/>
+            </a:pPr>
+            <a:r>
+              <a:t/>
+            </a:r>
+            <a:endParaRPr sz="1407"/>
           </a:p>
         </p:txBody>
       </p:sp>
       <p:pic>
         <p:nvPicPr>
-          <p:cNvPr id="214" name="Google Shape;214;p23"/>
+          <p:cNvPr id="213" name="Google Shape;213;p23"/>
           <p:cNvPicPr preferRelativeResize="0"/>
           <p:nvPr/>
         </p:nvPicPr>
@@ -10839,359 +10936,8 @@
         </p:blipFill>
         <p:spPr>
           <a:xfrm>
-            <a:off x="6944750" y="405500"/>
-            <a:ext cx="1784800" cy="2535998"/>
-          </a:xfrm>
-          <a:prstGeom prst="rect">
-            <a:avLst/>
-          </a:prstGeom>
-          <a:noFill/>
-          <a:ln>
-            <a:noFill/>
-          </a:ln>
-        </p:spPr>
-      </p:pic>
-      <p:pic>
-        <p:nvPicPr>
-          <p:cNvPr id="215" name="Google Shape;215;p23"/>
-          <p:cNvPicPr preferRelativeResize="0"/>
-          <p:nvPr/>
-        </p:nvPicPr>
-        <p:blipFill>
-          <a:blip r:embed="rId4">
-            <a:alphaModFix/>
-          </a:blip>
-          <a:stretch>
-            <a:fillRect/>
-          </a:stretch>
-        </p:blipFill>
-        <p:spPr>
-          <a:xfrm>
-            <a:off x="583400" y="2637500"/>
-            <a:ext cx="4320948" cy="2207075"/>
-          </a:xfrm>
-          <a:prstGeom prst="rect">
-            <a:avLst/>
-          </a:prstGeom>
-          <a:noFill/>
-          <a:ln>
-            <a:noFill/>
-          </a:ln>
-        </p:spPr>
-      </p:pic>
-      <p:sp>
-        <p:nvSpPr>
-          <p:cNvPr id="216" name="Google Shape;216;p23"/>
-          <p:cNvSpPr txBox="1"/>
-          <p:nvPr/>
-        </p:nvSpPr>
-        <p:spPr>
-          <a:xfrm>
-            <a:off x="5039375" y="3651888"/>
-            <a:ext cx="3612900" cy="615600"/>
-          </a:xfrm>
-          <a:prstGeom prst="rect">
-            <a:avLst/>
-          </a:prstGeom>
-          <a:noFill/>
-          <a:ln>
-            <a:noFill/>
-          </a:ln>
-        </p:spPr>
-        <p:txBody>
-          <a:bodyPr anchorCtr="0" anchor="t" bIns="91425" lIns="91425" spcFirstLastPara="1" rIns="91425" wrap="square" tIns="91425">
-            <a:spAutoFit/>
-          </a:bodyPr>
-          <a:lstStyle/>
-          <a:p>
-            <a:pPr indent="0" lvl="0" marL="0" rtl="0" algn="l">
-              <a:spcBef>
-                <a:spcPts val="0"/>
-              </a:spcBef>
-              <a:spcAft>
-                <a:spcPts val="0"/>
-              </a:spcAft>
-              <a:buNone/>
-            </a:pPr>
-            <a:r>
-              <a:rPr lang="en">
-                <a:latin typeface="Calibri"/>
-                <a:ea typeface="Calibri"/>
-                <a:cs typeface="Calibri"/>
-                <a:sym typeface="Calibri"/>
-              </a:rPr>
-              <a:t>Build Your First 3D Game in Unity 10 part series</a:t>
-            </a:r>
-            <a:endParaRPr>
-              <a:latin typeface="Calibri"/>
-              <a:ea typeface="Calibri"/>
-              <a:cs typeface="Calibri"/>
-              <a:sym typeface="Calibri"/>
-            </a:endParaRPr>
-          </a:p>
-          <a:p>
-            <a:pPr indent="0" lvl="0" marL="0" rtl="0" algn="l">
-              <a:spcBef>
-                <a:spcPts val="0"/>
-              </a:spcBef>
-              <a:spcAft>
-                <a:spcPts val="0"/>
-              </a:spcAft>
-              <a:buNone/>
-            </a:pPr>
-            <a:r>
-              <a:rPr lang="en">
-                <a:latin typeface="Calibri"/>
-                <a:ea typeface="Calibri"/>
-                <a:cs typeface="Calibri"/>
-                <a:sym typeface="Calibri"/>
-              </a:rPr>
-              <a:t>Coding In Flow -  Youtube</a:t>
-            </a:r>
-            <a:endParaRPr>
-              <a:latin typeface="Calibri"/>
-              <a:ea typeface="Calibri"/>
-              <a:cs typeface="Calibri"/>
-              <a:sym typeface="Calibri"/>
-            </a:endParaRPr>
-          </a:p>
-        </p:txBody>
-      </p:sp>
-    </p:spTree>
-  </p:cSld>
-  <p:clrMapOvr>
-    <a:masterClrMapping/>
-  </p:clrMapOvr>
-</p:sld>
-</file>
-
-<file path=ppt/slides/slide12.xml><?xml version="1.0" encoding="utf-8"?>
-<p:sld xmlns:a="http://schemas.openxmlformats.org/drawingml/2006/main" xmlns:r="http://schemas.openxmlformats.org/officeDocument/2006/relationships" xmlns:mc="http://schemas.openxmlformats.org/markup-compatibility/2006" xmlns:mv="urn:schemas-microsoft-com:mac:vml" xmlns:p="http://schemas.openxmlformats.org/presentationml/2006/main" xmlns:c="http://schemas.openxmlformats.org/drawingml/2006/chart" xmlns:dgm="http://schemas.openxmlformats.org/drawingml/2006/diagram" xmlns:o="urn:schemas-microsoft-com:office:office" xmlns:v="urn:schemas-microsoft-com:vml" xmlns:pvml="urn:schemas-microsoft-com:office:powerpoint" xmlns:com="http://schemas.openxmlformats.org/drawingml/2006/compatibility" xmlns:p14="http://schemas.microsoft.com/office/powerpoint/2010/main" xmlns:p15="http://schemas.microsoft.com/office/powerpoint/2012/main" xmlns:ahyp="http://schemas.microsoft.com/office/drawing/2018/hyperlinkcolor">
-  <p:cSld>
-    <p:spTree>
-      <p:nvGrpSpPr>
-        <p:cNvPr id="220" name="Shape 220"/>
-        <p:cNvGrpSpPr/>
-        <p:nvPr/>
-      </p:nvGrpSpPr>
-      <p:grpSpPr>
-        <a:xfrm>
-          <a:off x="0" y="0"/>
-          <a:ext cx="0" cy="0"/>
-          <a:chOff x="0" y="0"/>
-          <a:chExt cx="0" cy="0"/>
-        </a:xfrm>
-      </p:grpSpPr>
-      <p:sp>
-        <p:nvSpPr>
-          <p:cNvPr id="221" name="Google Shape;221;p24"/>
-          <p:cNvSpPr txBox="1"/>
-          <p:nvPr>
-            <p:ph type="title"/>
-          </p:nvPr>
-        </p:nvSpPr>
-        <p:spPr>
-          <a:xfrm>
-            <a:off x="867225" y="455025"/>
-            <a:ext cx="7505700" cy="954600"/>
-          </a:xfrm>
-          <a:prstGeom prst="rect">
-            <a:avLst/>
-          </a:prstGeom>
-        </p:spPr>
-        <p:txBody>
-          <a:bodyPr anchorCtr="0" anchor="t" bIns="91425" lIns="91425" spcFirstLastPara="1" rIns="91425" wrap="square" tIns="91425">
-            <a:normAutofit fontScale="90000"/>
-          </a:bodyPr>
-          <a:lstStyle/>
-          <a:p>
-            <a:pPr indent="0" lvl="0" marL="0" rtl="0" algn="l">
-              <a:spcBef>
-                <a:spcPts val="0"/>
-              </a:spcBef>
-              <a:spcAft>
-                <a:spcPts val="0"/>
-              </a:spcAft>
-              <a:buNone/>
-            </a:pPr>
-            <a:br>
-              <a:rPr lang="en"/>
-            </a:br>
-            <a:r>
-              <a:rPr lang="en"/>
-              <a:t>Testing and feed-back</a:t>
-            </a:r>
-            <a:endParaRPr/>
-          </a:p>
-        </p:txBody>
-      </p:sp>
-      <p:sp>
-        <p:nvSpPr>
-          <p:cNvPr id="222" name="Google Shape;222;p24"/>
-          <p:cNvSpPr txBox="1"/>
-          <p:nvPr>
-            <p:ph idx="1" type="body"/>
-          </p:nvPr>
-        </p:nvSpPr>
-        <p:spPr>
-          <a:xfrm>
-            <a:off x="819150" y="1990725"/>
-            <a:ext cx="7505700" cy="2448000"/>
-          </a:xfrm>
-          <a:prstGeom prst="rect">
-            <a:avLst/>
-          </a:prstGeom>
-        </p:spPr>
-        <p:txBody>
-          <a:bodyPr anchorCtr="0" anchor="t" bIns="91425" lIns="91425" spcFirstLastPara="1" rIns="91425" wrap="square" tIns="91425">
-            <a:normAutofit/>
-          </a:bodyPr>
-          <a:lstStyle/>
-          <a:p>
-            <a:pPr indent="-311150" lvl="0" marL="457200" rtl="0" algn="l">
-              <a:spcBef>
-                <a:spcPts val="0"/>
-              </a:spcBef>
-              <a:spcAft>
-                <a:spcPts val="0"/>
-              </a:spcAft>
-              <a:buSzPts val="1300"/>
-              <a:buChar char="●"/>
-            </a:pPr>
-            <a:r>
-              <a:rPr lang="en"/>
-              <a:t>Employing various testing methods (e.g., unit testing, playtesting)</a:t>
-            </a:r>
-            <a:endParaRPr/>
-          </a:p>
-          <a:p>
-            <a:pPr indent="-311150" lvl="0" marL="457200" rtl="0" algn="l">
-              <a:spcBef>
-                <a:spcPts val="0"/>
-              </a:spcBef>
-              <a:spcAft>
-                <a:spcPts val="0"/>
-              </a:spcAft>
-              <a:buSzPts val="1300"/>
-              <a:buChar char="●"/>
-            </a:pPr>
-            <a:r>
-              <a:rPr lang="en"/>
-              <a:t>Identifying and fixing bugs in game mechanics, UI, and performance</a:t>
-            </a:r>
-            <a:endParaRPr/>
-          </a:p>
-          <a:p>
-            <a:pPr indent="-311150" lvl="0" marL="457200" rtl="0" algn="l">
-              <a:spcBef>
-                <a:spcPts val="0"/>
-              </a:spcBef>
-              <a:spcAft>
-                <a:spcPts val="0"/>
-              </a:spcAft>
-              <a:buSzPts val="1300"/>
-              <a:buChar char="●"/>
-            </a:pPr>
-            <a:r>
-              <a:rPr lang="en"/>
-              <a:t>Ensuring compatibility with different devices and platforms,</a:t>
-            </a:r>
-            <a:r>
-              <a:rPr b="1" lang="en"/>
-              <a:t> if </a:t>
-            </a:r>
-            <a:r>
-              <a:rPr b="1" lang="en"/>
-              <a:t>applicable</a:t>
-            </a:r>
-            <a:r>
-              <a:rPr b="1" lang="en"/>
-              <a:t>??</a:t>
-            </a:r>
-            <a:endParaRPr b="1"/>
-          </a:p>
-          <a:p>
-            <a:pPr indent="0" lvl="0" marL="457200" rtl="0" algn="l">
-              <a:spcBef>
-                <a:spcPts val="1200"/>
-              </a:spcBef>
-              <a:spcAft>
-                <a:spcPts val="0"/>
-              </a:spcAft>
-              <a:buNone/>
-            </a:pPr>
-            <a:r>
-              <a:rPr lang="en"/>
-              <a:t>Key Takeaways from Playtesting:</a:t>
-            </a:r>
-            <a:endParaRPr/>
-          </a:p>
-          <a:p>
-            <a:pPr indent="0" lvl="0" marL="457200" rtl="0" algn="l">
-              <a:spcBef>
-                <a:spcPts val="1200"/>
-              </a:spcBef>
-              <a:spcAft>
-                <a:spcPts val="0"/>
-              </a:spcAft>
-              <a:buNone/>
-            </a:pPr>
-            <a:r>
-              <a:rPr b="1" lang="en"/>
-              <a:t>Give some takeaways here if applicable?</a:t>
-            </a:r>
-            <a:endParaRPr b="1"/>
-          </a:p>
-          <a:p>
-            <a:pPr indent="0" lvl="0" marL="457200" rtl="0" algn="l">
-              <a:spcBef>
-                <a:spcPts val="1200"/>
-              </a:spcBef>
-              <a:spcAft>
-                <a:spcPts val="0"/>
-              </a:spcAft>
-              <a:buNone/>
-            </a:pPr>
-            <a:r>
-              <a:t/>
-            </a:r>
-            <a:endParaRPr/>
-          </a:p>
-          <a:p>
-            <a:pPr indent="0" lvl="0" marL="457200" rtl="0" algn="l">
-              <a:spcBef>
-                <a:spcPts val="1200"/>
-              </a:spcBef>
-              <a:spcAft>
-                <a:spcPts val="1200"/>
-              </a:spcAft>
-              <a:buNone/>
-            </a:pPr>
-            <a:r>
-              <a:t/>
-            </a:r>
-            <a:endParaRPr/>
-          </a:p>
-        </p:txBody>
-      </p:sp>
-      <p:pic>
-        <p:nvPicPr>
-          <p:cNvPr id="223" name="Google Shape;223;p24"/>
-          <p:cNvPicPr preferRelativeResize="0"/>
-          <p:nvPr/>
-        </p:nvPicPr>
-        <p:blipFill>
-          <a:blip r:embed="rId3">
-            <a:alphaModFix/>
-          </a:blip>
-          <a:stretch>
-            <a:fillRect/>
-          </a:stretch>
-        </p:blipFill>
-        <p:spPr>
-          <a:xfrm>
-            <a:off x="5657800" y="341020"/>
-            <a:ext cx="2956425" cy="1649700"/>
+            <a:off x="513300" y="3006827"/>
+            <a:ext cx="7505699" cy="1630598"/>
           </a:xfrm>
           <a:prstGeom prst="rect">
             <a:avLst/>
@@ -11210,12 +10956,12 @@
 </p:sld>
 </file>
 
-<file path=ppt/slides/slide13.xml><?xml version="1.0" encoding="utf-8"?>
+<file path=ppt/slides/slide12.xml><?xml version="1.0" encoding="utf-8"?>
 <p:sld xmlns:a="http://schemas.openxmlformats.org/drawingml/2006/main" xmlns:r="http://schemas.openxmlformats.org/officeDocument/2006/relationships" xmlns:mc="http://schemas.openxmlformats.org/markup-compatibility/2006" xmlns:mv="urn:schemas-microsoft-com:mac:vml" xmlns:p="http://schemas.openxmlformats.org/presentationml/2006/main" xmlns:c="http://schemas.openxmlformats.org/drawingml/2006/chart" xmlns:dgm="http://schemas.openxmlformats.org/drawingml/2006/diagram" xmlns:o="urn:schemas-microsoft-com:office:office" xmlns:v="urn:schemas-microsoft-com:vml" xmlns:pvml="urn:schemas-microsoft-com:office:powerpoint" xmlns:com="http://schemas.openxmlformats.org/drawingml/2006/compatibility" xmlns:p14="http://schemas.microsoft.com/office/powerpoint/2010/main" xmlns:p15="http://schemas.microsoft.com/office/powerpoint/2012/main" xmlns:ahyp="http://schemas.microsoft.com/office/drawing/2018/hyperlinkcolor">
   <p:cSld>
     <p:spTree>
       <p:nvGrpSpPr>
-        <p:cNvPr id="227" name="Shape 227"/>
+        <p:cNvPr id="217" name="Shape 217"/>
         <p:cNvGrpSpPr/>
         <p:nvPr/>
       </p:nvGrpSpPr>
@@ -11229,6 +10975,355 @@
       </p:grpSpPr>
       <p:sp>
         <p:nvSpPr>
+          <p:cNvPr id="218" name="Google Shape;218;p24"/>
+          <p:cNvSpPr txBox="1"/>
+          <p:nvPr>
+            <p:ph type="title"/>
+          </p:nvPr>
+        </p:nvSpPr>
+        <p:spPr>
+          <a:xfrm>
+            <a:off x="753050" y="686300"/>
+            <a:ext cx="7505700" cy="954600"/>
+          </a:xfrm>
+          <a:prstGeom prst="rect">
+            <a:avLst/>
+          </a:prstGeom>
+        </p:spPr>
+        <p:txBody>
+          <a:bodyPr anchorCtr="0" anchor="t" bIns="91425" lIns="91425" spcFirstLastPara="1" rIns="91425" wrap="square" tIns="91425">
+            <a:normAutofit fontScale="90000"/>
+          </a:bodyPr>
+          <a:lstStyle/>
+          <a:p>
+            <a:pPr indent="0" lvl="0" marL="0" rtl="0" algn="l">
+              <a:spcBef>
+                <a:spcPts val="0"/>
+              </a:spcBef>
+              <a:spcAft>
+                <a:spcPts val="0"/>
+              </a:spcAft>
+              <a:buNone/>
+            </a:pPr>
+            <a:r>
+              <a:rPr lang="en"/>
+              <a:t>Solutions and Workarounds:</a:t>
+            </a:r>
+            <a:endParaRPr/>
+          </a:p>
+          <a:p>
+            <a:pPr indent="0" lvl="0" marL="0" rtl="0" algn="l">
+              <a:spcBef>
+                <a:spcPts val="0"/>
+              </a:spcBef>
+              <a:spcAft>
+                <a:spcPts val="0"/>
+              </a:spcAft>
+              <a:buNone/>
+            </a:pPr>
+            <a:r>
+              <a:t/>
+            </a:r>
+            <a:endParaRPr/>
+          </a:p>
+          <a:p>
+            <a:pPr indent="0" lvl="0" marL="0" rtl="0" algn="l">
+              <a:spcBef>
+                <a:spcPts val="0"/>
+              </a:spcBef>
+              <a:spcAft>
+                <a:spcPts val="0"/>
+              </a:spcAft>
+              <a:buNone/>
+            </a:pPr>
+            <a:r>
+              <a:t/>
+            </a:r>
+            <a:endParaRPr/>
+          </a:p>
+        </p:txBody>
+      </p:sp>
+      <p:sp>
+        <p:nvSpPr>
+          <p:cNvPr id="219" name="Google Shape;219;p24"/>
+          <p:cNvSpPr txBox="1"/>
+          <p:nvPr>
+            <p:ph idx="1" type="body"/>
+          </p:nvPr>
+        </p:nvSpPr>
+        <p:spPr>
+          <a:xfrm>
+            <a:off x="583400" y="1342525"/>
+            <a:ext cx="6471000" cy="2207100"/>
+          </a:xfrm>
+          <a:prstGeom prst="rect">
+            <a:avLst/>
+          </a:prstGeom>
+        </p:spPr>
+        <p:txBody>
+          <a:bodyPr anchorCtr="0" anchor="t" bIns="91425" lIns="91425" spcFirstLastPara="1" rIns="91425" wrap="square" tIns="91425">
+            <a:normAutofit/>
+          </a:bodyPr>
+          <a:lstStyle/>
+          <a:p>
+            <a:pPr indent="-317500" lvl="0" marL="457200" rtl="0" algn="l">
+              <a:spcBef>
+                <a:spcPts val="0"/>
+              </a:spcBef>
+              <a:spcAft>
+                <a:spcPts val="0"/>
+              </a:spcAft>
+              <a:buSzPts val="1400"/>
+              <a:buChar char="●"/>
+            </a:pPr>
+            <a:r>
+              <a:rPr lang="en" sz="1400"/>
+              <a:t>Researching solutions through Unity documentation, forums, and tutorials</a:t>
+            </a:r>
+            <a:endParaRPr sz="1400"/>
+          </a:p>
+          <a:p>
+            <a:pPr indent="-317500" lvl="0" marL="457200" rtl="0" algn="l">
+              <a:spcBef>
+                <a:spcPts val="0"/>
+              </a:spcBef>
+              <a:spcAft>
+                <a:spcPts val="0"/>
+              </a:spcAft>
+              <a:buSzPts val="1400"/>
+              <a:buChar char="●"/>
+            </a:pPr>
+            <a:r>
+              <a:rPr lang="en" sz="1400"/>
+              <a:t>Seeking feedback and advice from peers or mentors</a:t>
+            </a:r>
+            <a:endParaRPr sz="1400"/>
+          </a:p>
+          <a:p>
+            <a:pPr indent="-317500" lvl="0" marL="457200" rtl="0" algn="l">
+              <a:spcBef>
+                <a:spcPts val="0"/>
+              </a:spcBef>
+              <a:spcAft>
+                <a:spcPts val="0"/>
+              </a:spcAft>
+              <a:buSzPts val="1400"/>
+              <a:buChar char="●"/>
+            </a:pPr>
+            <a:r>
+              <a:rPr lang="en" sz="1400"/>
+              <a:t>Adapting designs or features to overcome constraints and limitations </a:t>
+            </a:r>
+            <a:endParaRPr sz="1400"/>
+          </a:p>
+          <a:p>
+            <a:pPr indent="-317500" lvl="1" marL="914400" rtl="0" algn="l">
+              <a:spcBef>
+                <a:spcPts val="0"/>
+              </a:spcBef>
+              <a:spcAft>
+                <a:spcPts val="0"/>
+              </a:spcAft>
+              <a:buSzPts val="1400"/>
+              <a:buChar char="○"/>
+            </a:pPr>
+            <a:r>
+              <a:rPr lang="en" sz="1400"/>
+              <a:t>Sacrificing readability and maintainability for function</a:t>
+            </a:r>
+            <a:endParaRPr sz="1400"/>
+          </a:p>
+        </p:txBody>
+      </p:sp>
+      <p:pic>
+        <p:nvPicPr>
+          <p:cNvPr id="220" name="Google Shape;220;p24"/>
+          <p:cNvPicPr preferRelativeResize="0"/>
+          <p:nvPr/>
+        </p:nvPicPr>
+        <p:blipFill>
+          <a:blip r:embed="rId3">
+            <a:alphaModFix/>
+          </a:blip>
+          <a:stretch>
+            <a:fillRect/>
+          </a:stretch>
+        </p:blipFill>
+        <p:spPr>
+          <a:xfrm>
+            <a:off x="6944750" y="405500"/>
+            <a:ext cx="1784800" cy="2535998"/>
+          </a:xfrm>
+          <a:prstGeom prst="rect">
+            <a:avLst/>
+          </a:prstGeom>
+          <a:noFill/>
+          <a:ln>
+            <a:noFill/>
+          </a:ln>
+        </p:spPr>
+      </p:pic>
+      <p:pic>
+        <p:nvPicPr>
+          <p:cNvPr id="221" name="Google Shape;221;p24"/>
+          <p:cNvPicPr preferRelativeResize="0"/>
+          <p:nvPr/>
+        </p:nvPicPr>
+        <p:blipFill>
+          <a:blip r:embed="rId4">
+            <a:alphaModFix/>
+          </a:blip>
+          <a:stretch>
+            <a:fillRect/>
+          </a:stretch>
+        </p:blipFill>
+        <p:spPr>
+          <a:xfrm>
+            <a:off x="583400" y="2637500"/>
+            <a:ext cx="4320948" cy="2207075"/>
+          </a:xfrm>
+          <a:prstGeom prst="rect">
+            <a:avLst/>
+          </a:prstGeom>
+          <a:noFill/>
+          <a:ln>
+            <a:noFill/>
+          </a:ln>
+        </p:spPr>
+      </p:pic>
+      <p:sp>
+        <p:nvSpPr>
+          <p:cNvPr id="222" name="Google Shape;222;p24"/>
+          <p:cNvSpPr txBox="1"/>
+          <p:nvPr/>
+        </p:nvSpPr>
+        <p:spPr>
+          <a:xfrm>
+            <a:off x="5039375" y="3651888"/>
+            <a:ext cx="3612900" cy="615600"/>
+          </a:xfrm>
+          <a:prstGeom prst="rect">
+            <a:avLst/>
+          </a:prstGeom>
+          <a:noFill/>
+          <a:ln>
+            <a:noFill/>
+          </a:ln>
+        </p:spPr>
+        <p:txBody>
+          <a:bodyPr anchorCtr="0" anchor="t" bIns="91425" lIns="91425" spcFirstLastPara="1" rIns="91425" wrap="square" tIns="91425">
+            <a:spAutoFit/>
+          </a:bodyPr>
+          <a:lstStyle/>
+          <a:p>
+            <a:pPr indent="0" lvl="0" marL="0" rtl="0" algn="l">
+              <a:spcBef>
+                <a:spcPts val="0"/>
+              </a:spcBef>
+              <a:spcAft>
+                <a:spcPts val="0"/>
+              </a:spcAft>
+              <a:buNone/>
+            </a:pPr>
+            <a:r>
+              <a:rPr lang="en">
+                <a:latin typeface="Calibri"/>
+                <a:ea typeface="Calibri"/>
+                <a:cs typeface="Calibri"/>
+                <a:sym typeface="Calibri"/>
+              </a:rPr>
+              <a:t>Build Your First 3D Game in Unity 10 part series</a:t>
+            </a:r>
+            <a:endParaRPr>
+              <a:latin typeface="Calibri"/>
+              <a:ea typeface="Calibri"/>
+              <a:cs typeface="Calibri"/>
+              <a:sym typeface="Calibri"/>
+            </a:endParaRPr>
+          </a:p>
+          <a:p>
+            <a:pPr indent="0" lvl="0" marL="0" rtl="0" algn="l">
+              <a:spcBef>
+                <a:spcPts val="0"/>
+              </a:spcBef>
+              <a:spcAft>
+                <a:spcPts val="0"/>
+              </a:spcAft>
+              <a:buNone/>
+            </a:pPr>
+            <a:r>
+              <a:rPr lang="en">
+                <a:latin typeface="Calibri"/>
+                <a:ea typeface="Calibri"/>
+                <a:cs typeface="Calibri"/>
+                <a:sym typeface="Calibri"/>
+              </a:rPr>
+              <a:t>Coding In Flow -  Youtube</a:t>
+            </a:r>
+            <a:endParaRPr>
+              <a:latin typeface="Calibri"/>
+              <a:ea typeface="Calibri"/>
+              <a:cs typeface="Calibri"/>
+              <a:sym typeface="Calibri"/>
+            </a:endParaRPr>
+          </a:p>
+        </p:txBody>
+      </p:sp>
+    </p:spTree>
+  </p:cSld>
+  <p:clrMapOvr>
+    <a:masterClrMapping/>
+  </p:clrMapOvr>
+</p:sld>
+</file>
+
+<file path=ppt/slides/slide13.xml><?xml version="1.0" encoding="utf-8"?>
+<p:sld xmlns:a="http://schemas.openxmlformats.org/drawingml/2006/main" xmlns:r="http://schemas.openxmlformats.org/officeDocument/2006/relationships" xmlns:mc="http://schemas.openxmlformats.org/markup-compatibility/2006" xmlns:mv="urn:schemas-microsoft-com:mac:vml" xmlns:p="http://schemas.openxmlformats.org/presentationml/2006/main" xmlns:c="http://schemas.openxmlformats.org/drawingml/2006/chart" xmlns:dgm="http://schemas.openxmlformats.org/drawingml/2006/diagram" xmlns:o="urn:schemas-microsoft-com:office:office" xmlns:v="urn:schemas-microsoft-com:vml" xmlns:pvml="urn:schemas-microsoft-com:office:powerpoint" xmlns:com="http://schemas.openxmlformats.org/drawingml/2006/compatibility" xmlns:p14="http://schemas.microsoft.com/office/powerpoint/2010/main" xmlns:p15="http://schemas.microsoft.com/office/powerpoint/2012/main" xmlns:ahyp="http://schemas.microsoft.com/office/drawing/2018/hyperlinkcolor">
+  <p:cSld>
+    <p:spTree>
+      <p:nvGrpSpPr>
+        <p:cNvPr id="226" name="Shape 226"/>
+        <p:cNvGrpSpPr/>
+        <p:nvPr/>
+      </p:nvGrpSpPr>
+      <p:grpSpPr>
+        <a:xfrm>
+          <a:off x="0" y="0"/>
+          <a:ext cx="0" cy="0"/>
+          <a:chOff x="0" y="0"/>
+          <a:chExt cx="0" cy="0"/>
+        </a:xfrm>
+      </p:grpSpPr>
+      <p:pic>
+        <p:nvPicPr>
+          <p:cNvPr id="227" name="Google Shape;227;p25"/>
+          <p:cNvPicPr preferRelativeResize="0"/>
+          <p:nvPr/>
+        </p:nvPicPr>
+        <p:blipFill>
+          <a:blip r:embed="rId3">
+            <a:alphaModFix/>
+          </a:blip>
+          <a:stretch>
+            <a:fillRect/>
+          </a:stretch>
+        </p:blipFill>
+        <p:spPr>
+          <a:xfrm>
+            <a:off x="4878150" y="455025"/>
+            <a:ext cx="3829775" cy="2137025"/>
+          </a:xfrm>
+          <a:prstGeom prst="rect">
+            <a:avLst/>
+          </a:prstGeom>
+          <a:noFill/>
+          <a:ln>
+            <a:noFill/>
+          </a:ln>
+        </p:spPr>
+      </p:pic>
+      <p:sp>
+        <p:nvSpPr>
           <p:cNvPr id="228" name="Google Shape;228;p25"/>
           <p:cNvSpPr txBox="1"/>
           <p:nvPr>
@@ -11264,7 +11359,7 @@
             </a:br>
             <a:r>
               <a:rPr lang="en"/>
-              <a:t>Future Enhancements</a:t>
+              <a:t>Testing and feed-back</a:t>
             </a:r>
             <a:endParaRPr/>
           </a:p>
@@ -11280,8 +11375,8 @@
         </p:nvSpPr>
         <p:spPr>
           <a:xfrm>
-            <a:off x="650900" y="1473975"/>
-            <a:ext cx="7135800" cy="2261100"/>
+            <a:off x="819150" y="1990725"/>
+            <a:ext cx="7505700" cy="2548800"/>
           </a:xfrm>
           <a:prstGeom prst="rect">
             <a:avLst/>
@@ -11289,109 +11384,191 @@
         </p:spPr>
         <p:txBody>
           <a:bodyPr anchorCtr="0" anchor="t" bIns="91425" lIns="91425" spcFirstLastPara="1" rIns="91425" wrap="square" tIns="91425">
-            <a:normAutofit/>
+            <a:noAutofit/>
           </a:bodyPr>
           <a:lstStyle/>
           <a:p>
-            <a:pPr indent="0" lvl="0" marL="0" rtl="0" algn="l">
-              <a:spcBef>
-                <a:spcPts val="0"/>
-              </a:spcBef>
-              <a:spcAft>
-                <a:spcPts val="0"/>
-              </a:spcAft>
-              <a:buNone/>
-            </a:pPr>
-            <a:r>
-              <a:rPr lang="en"/>
-              <a:t>Multiplayer Functionality and AI Opponent:</a:t>
-            </a:r>
-            <a:endParaRPr/>
-          </a:p>
-          <a:p>
-            <a:pPr indent="-311150" lvl="0" marL="457200" rtl="0" algn="l">
+            <a:pPr indent="-317500" lvl="0" marL="457200" rtl="0" algn="l">
+              <a:lnSpc>
+                <a:spcPct val="105000"/>
+              </a:lnSpc>
+              <a:spcBef>
+                <a:spcPts val="0"/>
+              </a:spcBef>
+              <a:spcAft>
+                <a:spcPts val="0"/>
+              </a:spcAft>
+              <a:buSzPts val="1400"/>
+              <a:buChar char="●"/>
+            </a:pPr>
+            <a:r>
+              <a:rPr lang="en" sz="1400"/>
+              <a:t>Playtesting - testing functionality by playing the game as a user</a:t>
+            </a:r>
+            <a:endParaRPr sz="1400"/>
+          </a:p>
+          <a:p>
+            <a:pPr indent="-317500" lvl="0" marL="457200" rtl="0" algn="l">
+              <a:lnSpc>
+                <a:spcPct val="105000"/>
+              </a:lnSpc>
+              <a:spcBef>
+                <a:spcPts val="0"/>
+              </a:spcBef>
+              <a:spcAft>
+                <a:spcPts val="0"/>
+              </a:spcAft>
+              <a:buSzPts val="1400"/>
+              <a:buChar char="●"/>
+            </a:pPr>
+            <a:r>
+              <a:rPr lang="en" sz="1400"/>
+              <a:t>Identifying and fixing bugs in game mechanics, UI, and performance</a:t>
+            </a:r>
+            <a:endParaRPr sz="1400"/>
+          </a:p>
+          <a:p>
+            <a:pPr indent="-317500" lvl="0" marL="457200" rtl="0" algn="l">
+              <a:lnSpc>
+                <a:spcPct val="105000"/>
+              </a:lnSpc>
+              <a:spcBef>
+                <a:spcPts val="0"/>
+              </a:spcBef>
+              <a:spcAft>
+                <a:spcPts val="0"/>
+              </a:spcAft>
+              <a:buSzPts val="1400"/>
+              <a:buChar char="●"/>
+            </a:pPr>
+            <a:r>
+              <a:rPr lang="en" sz="1400"/>
+              <a:t>Ensuring compatibility across different devices (PC and Mac)</a:t>
+            </a:r>
+            <a:endParaRPr b="1" sz="1400"/>
+          </a:p>
+          <a:p>
+            <a:pPr indent="0" lvl="0" marL="457200" rtl="0" algn="l">
+              <a:lnSpc>
+                <a:spcPct val="105000"/>
+              </a:lnSpc>
               <a:spcBef>
                 <a:spcPts val="1200"/>
               </a:spcBef>
               <a:spcAft>
                 <a:spcPts val="0"/>
               </a:spcAft>
-              <a:buSzPts val="1300"/>
+              <a:buNone/>
+            </a:pPr>
+            <a:r>
+              <a:rPr lang="en" sz="1400"/>
+              <a:t>Key Takeaways from Playtesting:</a:t>
+            </a:r>
+            <a:endParaRPr sz="1400"/>
+          </a:p>
+          <a:p>
+            <a:pPr indent="-317500" lvl="0" marL="914400" rtl="0" algn="l">
+              <a:lnSpc>
+                <a:spcPct val="105000"/>
+              </a:lnSpc>
+              <a:spcBef>
+                <a:spcPts val="1200"/>
+              </a:spcBef>
+              <a:spcAft>
+                <a:spcPts val="0"/>
+              </a:spcAft>
+              <a:buSzPts val="1400"/>
               <a:buChar char="●"/>
             </a:pPr>
             <a:r>
-              <a:rPr lang="en"/>
-              <a:t>Expanding the game to include online multiplayer options</a:t>
-            </a:r>
-            <a:endParaRPr/>
-          </a:p>
-          <a:p>
-            <a:pPr indent="-311150" lvl="0" marL="457200" rtl="0" algn="l">
-              <a:spcBef>
-                <a:spcPts val="0"/>
-              </a:spcBef>
-              <a:spcAft>
-                <a:spcPts val="0"/>
-              </a:spcAft>
-              <a:buSzPts val="1300"/>
+              <a:rPr lang="en" sz="1400"/>
+              <a:t>Simpler to drag-and-drop pieces than to select/deselect</a:t>
+            </a:r>
+            <a:endParaRPr sz="1400"/>
+          </a:p>
+          <a:p>
+            <a:pPr indent="-317500" lvl="0" marL="914400" rtl="0" algn="l">
+              <a:lnSpc>
+                <a:spcPct val="105000"/>
+              </a:lnSpc>
+              <a:spcBef>
+                <a:spcPts val="0"/>
+              </a:spcBef>
+              <a:spcAft>
+                <a:spcPts val="0"/>
+              </a:spcAft>
+              <a:buSzPts val="1400"/>
               <a:buChar char="●"/>
             </a:pPr>
             <a:r>
-              <a:rPr lang="en"/>
-              <a:t>Implementing AI algorithms for intelligent and engaging gameplay that uses some sort of Algorithm (minmax)</a:t>
-            </a:r>
-            <a:endParaRPr/>
-          </a:p>
-          <a:p>
-            <a:pPr indent="-311150" lvl="0" marL="457200" rtl="0" algn="l">
-              <a:spcBef>
-                <a:spcPts val="0"/>
-              </a:spcBef>
-              <a:spcAft>
-                <a:spcPts val="0"/>
-              </a:spcAft>
-              <a:buSzPts val="1300"/>
-              <a:buChar char="●"/>
-            </a:pPr>
-            <a:r>
-              <a:rPr lang="en"/>
-              <a:t>Adding animations to piece movement</a:t>
-            </a:r>
-            <a:endParaRPr/>
-          </a:p>
-          <a:p>
-            <a:pPr indent="-311150" lvl="0" marL="457200" rtl="0" algn="l">
-              <a:spcBef>
-                <a:spcPts val="0"/>
-              </a:spcBef>
-              <a:spcAft>
-                <a:spcPts val="0"/>
-              </a:spcAft>
-              <a:buSzPts val="1300"/>
-              <a:buChar char="●"/>
-            </a:pPr>
-            <a:r>
-              <a:rPr lang="en"/>
-              <a:t>Finishing check validation</a:t>
-            </a:r>
-            <a:endParaRPr/>
-          </a:p>
-          <a:p>
-            <a:pPr indent="-298450" lvl="1" marL="914400" rtl="0" algn="l">
-              <a:spcBef>
-                <a:spcPts val="0"/>
-              </a:spcBef>
-              <a:spcAft>
-                <a:spcPts val="0"/>
-              </a:spcAft>
-              <a:buSzPts val="1100"/>
+              <a:rPr lang="en" sz="1400"/>
+              <a:t>Piece capturing and win-state check logic conflicted</a:t>
+            </a:r>
+            <a:endParaRPr sz="1400"/>
+          </a:p>
+          <a:p>
+            <a:pPr indent="-317500" lvl="1" marL="1828800" rtl="0" algn="l">
+              <a:lnSpc>
+                <a:spcPct val="105000"/>
+              </a:lnSpc>
+              <a:spcBef>
+                <a:spcPts val="0"/>
+              </a:spcBef>
+              <a:spcAft>
+                <a:spcPts val="0"/>
+              </a:spcAft>
+              <a:buSzPts val="1400"/>
               <a:buChar char="○"/>
             </a:pPr>
             <a:r>
-              <a:rPr lang="en"/>
-              <a:t>As it stands a player must actually capture the opposing King, or run out of time on their turn clock in order to end the game.</a:t>
-            </a:r>
-            <a:endParaRPr/>
+              <a:rPr lang="en" sz="1400"/>
+              <a:t>We needed more concrete plans for our functions before </a:t>
+            </a:r>
+            <a:r>
+              <a:rPr lang="en" sz="1400"/>
+              <a:t>getting</a:t>
+            </a:r>
+            <a:r>
+              <a:rPr lang="en" sz="1400"/>
+              <a:t> started</a:t>
+            </a:r>
+            <a:endParaRPr sz="1400"/>
+          </a:p>
+          <a:p>
+            <a:pPr indent="0" lvl="0" marL="457200" rtl="0" algn="l">
+              <a:lnSpc>
+                <a:spcPct val="105000"/>
+              </a:lnSpc>
+              <a:spcBef>
+                <a:spcPts val="1200"/>
+              </a:spcBef>
+              <a:spcAft>
+                <a:spcPts val="0"/>
+              </a:spcAft>
+              <a:buNone/>
+            </a:pPr>
+            <a:r>
+              <a:t/>
+            </a:r>
+            <a:endParaRPr sz="1400"/>
+          </a:p>
+          <a:p>
+            <a:pPr indent="0" lvl="0" marL="457200" rtl="0" algn="l">
+              <a:lnSpc>
+                <a:spcPct val="105000"/>
+              </a:lnSpc>
+              <a:spcBef>
+                <a:spcPts val="1200"/>
+              </a:spcBef>
+              <a:spcAft>
+                <a:spcPts val="1200"/>
+              </a:spcAft>
+              <a:buNone/>
+            </a:pPr>
+            <a:r>
+              <a:t/>
+            </a:r>
+            <a:endParaRPr sz="1400"/>
           </a:p>
         </p:txBody>
       </p:sp>
@@ -11430,7 +11607,7 @@
         </p:nvSpPr>
         <p:spPr>
           <a:xfrm>
-            <a:off x="819150" y="845600"/>
+            <a:off x="867225" y="455025"/>
             <a:ext cx="7505700" cy="954600"/>
           </a:xfrm>
           <a:prstGeom prst="rect">
@@ -11439,7 +11616,7 @@
         </p:spPr>
         <p:txBody>
           <a:bodyPr anchorCtr="0" anchor="t" bIns="91425" lIns="91425" spcFirstLastPara="1" rIns="91425" wrap="square" tIns="91425">
-            <a:normAutofit/>
+            <a:normAutofit fontScale="90000"/>
           </a:bodyPr>
           <a:lstStyle/>
           <a:p>
@@ -11452,9 +11629,12 @@
               </a:spcAft>
               <a:buNone/>
             </a:pPr>
-            <a:r>
+            <a:br>
               <a:rPr lang="en"/>
-              <a:t>Demonstration:</a:t>
+            </a:br>
+            <a:r>
+              <a:rPr lang="en"/>
+              <a:t>Future Enhancements</a:t>
             </a:r>
             <a:endParaRPr/>
           </a:p>
@@ -11470,8 +11650,8 @@
         </p:nvSpPr>
         <p:spPr>
           <a:xfrm>
-            <a:off x="819150" y="1990725"/>
-            <a:ext cx="7505700" cy="2448000"/>
+            <a:off x="650900" y="1473975"/>
+            <a:ext cx="7135800" cy="3013500"/>
           </a:xfrm>
           <a:prstGeom prst="rect">
             <a:avLst/>
@@ -11488,12 +11668,197 @@
                 <a:spcPts val="0"/>
               </a:spcBef>
               <a:spcAft>
+                <a:spcPts val="0"/>
+              </a:spcAft>
+              <a:buNone/>
+            </a:pPr>
+            <a:r>
+              <a:rPr lang="en" sz="1400"/>
+              <a:t>Multiplayer Functionality and AI Opponent:</a:t>
+            </a:r>
+            <a:endParaRPr sz="1400"/>
+          </a:p>
+          <a:p>
+            <a:pPr indent="-317500" lvl="0" marL="457200" rtl="0" algn="l">
+              <a:spcBef>
                 <a:spcPts val="1200"/>
-              </a:spcAft>
-              <a:buNone/>
-            </a:pPr>
-            <a:r>
-              <a:t/>
+              </a:spcBef>
+              <a:spcAft>
+                <a:spcPts val="0"/>
+              </a:spcAft>
+              <a:buSzPts val="1400"/>
+              <a:buChar char="●"/>
+            </a:pPr>
+            <a:r>
+              <a:rPr lang="en" sz="1400"/>
+              <a:t>Expanding the game to include online multiplayer options</a:t>
+            </a:r>
+            <a:endParaRPr sz="1400"/>
+          </a:p>
+          <a:p>
+            <a:pPr indent="-317500" lvl="0" marL="457200" rtl="0" algn="l">
+              <a:spcBef>
+                <a:spcPts val="0"/>
+              </a:spcBef>
+              <a:spcAft>
+                <a:spcPts val="0"/>
+              </a:spcAft>
+              <a:buSzPts val="1400"/>
+              <a:buChar char="●"/>
+            </a:pPr>
+            <a:r>
+              <a:rPr lang="en" sz="1400"/>
+              <a:t>Implementing AI algorithms for intelligent and engaging gameplay that uses some sort of Algorithm (minmax)</a:t>
+            </a:r>
+            <a:endParaRPr sz="1400"/>
+          </a:p>
+          <a:p>
+            <a:pPr indent="-317500" lvl="0" marL="457200" rtl="0" algn="l">
+              <a:spcBef>
+                <a:spcPts val="0"/>
+              </a:spcBef>
+              <a:spcAft>
+                <a:spcPts val="0"/>
+              </a:spcAft>
+              <a:buSzPts val="1400"/>
+              <a:buChar char="●"/>
+            </a:pPr>
+            <a:r>
+              <a:rPr lang="en" sz="1400"/>
+              <a:t>Adding special moves (e.g castling, en-passant)</a:t>
+            </a:r>
+            <a:endParaRPr sz="1400"/>
+          </a:p>
+          <a:p>
+            <a:pPr indent="-317500" lvl="0" marL="457200" rtl="0" algn="l">
+              <a:spcBef>
+                <a:spcPts val="0"/>
+              </a:spcBef>
+              <a:spcAft>
+                <a:spcPts val="0"/>
+              </a:spcAft>
+              <a:buSzPts val="1400"/>
+              <a:buChar char="●"/>
+            </a:pPr>
+            <a:r>
+              <a:rPr lang="en" sz="1400"/>
+              <a:t>Adding animations to piece movement</a:t>
+            </a:r>
+            <a:endParaRPr sz="1400"/>
+          </a:p>
+          <a:p>
+            <a:pPr indent="-317500" lvl="0" marL="457200" rtl="0" algn="l">
+              <a:spcBef>
+                <a:spcPts val="0"/>
+              </a:spcBef>
+              <a:spcAft>
+                <a:spcPts val="0"/>
+              </a:spcAft>
+              <a:buSzPts val="1400"/>
+              <a:buChar char="●"/>
+            </a:pPr>
+            <a:r>
+              <a:rPr lang="en" sz="1400"/>
+              <a:t>Option to surrender</a:t>
+            </a:r>
+            <a:endParaRPr sz="1400"/>
+          </a:p>
+          <a:p>
+            <a:pPr indent="-317500" lvl="0" marL="457200" rtl="0" algn="l">
+              <a:spcBef>
+                <a:spcPts val="0"/>
+              </a:spcBef>
+              <a:spcAft>
+                <a:spcPts val="0"/>
+              </a:spcAft>
+              <a:buSzPts val="1400"/>
+              <a:buChar char="●"/>
+            </a:pPr>
+            <a:r>
+              <a:rPr lang="en" sz="1400"/>
+              <a:t>Finishing check validation</a:t>
+            </a:r>
+            <a:endParaRPr sz="1400"/>
+          </a:p>
+          <a:p>
+            <a:pPr indent="-317500" lvl="1" marL="914400" rtl="0" algn="l">
+              <a:spcBef>
+                <a:spcPts val="0"/>
+              </a:spcBef>
+              <a:spcAft>
+                <a:spcPts val="0"/>
+              </a:spcAft>
+              <a:buSzPts val="1400"/>
+              <a:buChar char="○"/>
+            </a:pPr>
+            <a:r>
+              <a:rPr lang="en" sz="1400"/>
+              <a:t>As it stands a player must actually capture the opposing King, or run out of time on their turn clock in order to end the game.</a:t>
+            </a:r>
+            <a:endParaRPr sz="1400"/>
+          </a:p>
+        </p:txBody>
+      </p:sp>
+    </p:spTree>
+  </p:cSld>
+  <p:clrMapOvr>
+    <a:masterClrMapping/>
+  </p:clrMapOvr>
+</p:sld>
+</file>
+
+<file path=ppt/slides/slide15.xml><?xml version="1.0" encoding="utf-8"?>
+<p:sld xmlns:a="http://schemas.openxmlformats.org/drawingml/2006/main" xmlns:r="http://schemas.openxmlformats.org/officeDocument/2006/relationships" xmlns:mc="http://schemas.openxmlformats.org/markup-compatibility/2006" xmlns:mv="urn:schemas-microsoft-com:mac:vml" xmlns:p="http://schemas.openxmlformats.org/presentationml/2006/main" xmlns:c="http://schemas.openxmlformats.org/drawingml/2006/chart" xmlns:dgm="http://schemas.openxmlformats.org/drawingml/2006/diagram" xmlns:o="urn:schemas-microsoft-com:office:office" xmlns:v="urn:schemas-microsoft-com:vml" xmlns:pvml="urn:schemas-microsoft-com:office:powerpoint" xmlns:com="http://schemas.openxmlformats.org/drawingml/2006/compatibility" xmlns:p14="http://schemas.microsoft.com/office/powerpoint/2010/main" xmlns:p15="http://schemas.microsoft.com/office/powerpoint/2012/main" xmlns:ahyp="http://schemas.microsoft.com/office/drawing/2018/hyperlinkcolor">
+  <p:cSld>
+    <p:spTree>
+      <p:nvGrpSpPr>
+        <p:cNvPr id="239" name="Shape 239"/>
+        <p:cNvGrpSpPr/>
+        <p:nvPr/>
+      </p:nvGrpSpPr>
+      <p:grpSpPr>
+        <a:xfrm>
+          <a:off x="0" y="0"/>
+          <a:ext cx="0" cy="0"/>
+          <a:chOff x="0" y="0"/>
+          <a:chExt cx="0" cy="0"/>
+        </a:xfrm>
+      </p:grpSpPr>
+      <p:sp>
+        <p:nvSpPr>
+          <p:cNvPr id="240" name="Google Shape;240;p27"/>
+          <p:cNvSpPr txBox="1"/>
+          <p:nvPr>
+            <p:ph type="title"/>
+          </p:nvPr>
+        </p:nvSpPr>
+        <p:spPr>
+          <a:xfrm>
+            <a:off x="819150" y="845600"/>
+            <a:ext cx="7505700" cy="954600"/>
+          </a:xfrm>
+          <a:prstGeom prst="rect">
+            <a:avLst/>
+          </a:prstGeom>
+        </p:spPr>
+        <p:txBody>
+          <a:bodyPr anchorCtr="0" anchor="t" bIns="91425" lIns="91425" spcFirstLastPara="1" rIns="91425" wrap="square" tIns="91425">
+            <a:normAutofit/>
+          </a:bodyPr>
+          <a:lstStyle/>
+          <a:p>
+            <a:pPr indent="0" lvl="0" marL="0" rtl="0" algn="l">
+              <a:spcBef>
+                <a:spcPts val="0"/>
+              </a:spcBef>
+              <a:spcAft>
+                <a:spcPts val="0"/>
+              </a:spcAft>
+              <a:buNone/>
+            </a:pPr>
+            <a:r>
+              <a:rPr lang="en"/>
+              <a:t>Demonstration:</a:t>
             </a:r>
             <a:endParaRPr/>
           </a:p>
@@ -11501,7 +11866,7 @@
       </p:sp>
       <p:pic>
         <p:nvPicPr>
-          <p:cNvPr id="236" name="Google Shape;236;p26"/>
+          <p:cNvPr id="241" name="Google Shape;241;p27"/>
           <p:cNvPicPr preferRelativeResize="0"/>
           <p:nvPr/>
         </p:nvPicPr>
@@ -11792,7 +12157,7 @@
             </a:pPr>
             <a:r>
               <a:rPr lang="en" sz="1607"/>
-              <a:t>Experience with both C and Java</a:t>
+              <a:t>Experience with C, Java, &amp; Unity</a:t>
             </a:r>
             <a:endParaRPr sz="1607"/>
           </a:p>
@@ -12460,7 +12825,7 @@
             <a:avLst/>
           </a:prstGeom>
           <a:solidFill>
-            <a:schemeClr val="accent4"/>
+            <a:srgbClr val="45818E"/>
           </a:solidFill>
           <a:ln cap="flat" cmpd="sng" w="9525">
             <a:solidFill>
@@ -13056,14 +13421,14 @@
             <a:r>
               <a:rPr lang="en" sz="1310">
                 <a:solidFill>
-                  <a:srgbClr val="000000"/>
+                  <a:schemeClr val="dk1"/>
                 </a:solidFill>
               </a:rPr>
               <a:t>Fabio Hinojosa Jimenez</a:t>
             </a:r>
             <a:endParaRPr sz="1310">
               <a:solidFill>
-                <a:srgbClr val="000000"/>
+                <a:schemeClr val="dk1"/>
               </a:solidFill>
             </a:endParaRPr>
           </a:p>
@@ -13079,7 +13444,7 @@
                 <a:spcPts val="0"/>
               </a:spcAft>
               <a:buClr>
-                <a:srgbClr val="000000"/>
+                <a:schemeClr val="dk1"/>
               </a:buClr>
               <a:buSzPts val="1310"/>
               <a:buChar char="●"/>
@@ -13087,10 +13452,54 @@
             <a:r>
               <a:rPr lang="en" sz="1310">
                 <a:solidFill>
-                  <a:srgbClr val="000000"/>
+                  <a:schemeClr val="dk1"/>
                 </a:solidFill>
               </a:rPr>
               <a:t>Main menu</a:t>
+            </a:r>
+            <a:endParaRPr sz="1310">
+              <a:solidFill>
+                <a:schemeClr val="dk1"/>
+              </a:solidFill>
+            </a:endParaRPr>
+          </a:p>
+          <a:p>
+            <a:pPr indent="0" lvl="0" marL="457200" rtl="0" algn="l">
+              <a:lnSpc>
+                <a:spcPct val="95000"/>
+              </a:lnSpc>
+              <a:spcBef>
+                <a:spcPts val="1200"/>
+              </a:spcBef>
+              <a:spcAft>
+                <a:spcPts val="0"/>
+              </a:spcAft>
+              <a:buNone/>
+            </a:pPr>
+            <a:r>
+              <a:t/>
+            </a:r>
+            <a:endParaRPr sz="1310">
+              <a:solidFill>
+                <a:schemeClr val="dk1"/>
+              </a:solidFill>
+            </a:endParaRPr>
+          </a:p>
+          <a:p>
+            <a:pPr indent="0" lvl="0" marL="457200" rtl="0" algn="l">
+              <a:lnSpc>
+                <a:spcPct val="95000"/>
+              </a:lnSpc>
+              <a:spcBef>
+                <a:spcPts val="1200"/>
+              </a:spcBef>
+              <a:spcAft>
+                <a:spcPts val="0"/>
+              </a:spcAft>
+              <a:buNone/>
+            </a:pPr>
+            <a:r>
+              <a:t/>
             </a:r>
             <a:endParaRPr sz="1310">
               <a:solidFill>
@@ -13899,7 +14308,7 @@
         <p:spPr>
           <a:xfrm>
             <a:off x="753050" y="1458100"/>
-            <a:ext cx="3506400" cy="1998600"/>
+            <a:ext cx="3506400" cy="2567100"/>
           </a:xfrm>
           <a:prstGeom prst="rect">
             <a:avLst/>
@@ -13940,7 +14349,7 @@
             </a:pPr>
             <a:r>
               <a:rPr lang="en" sz="1500"/>
-              <a:t>Free personal license</a:t>
+              <a:t>Free personal license to use and publish from Unity</a:t>
             </a:r>
             <a:endParaRPr sz="1500"/>
           </a:p>
@@ -13957,7 +14366,7 @@
             </a:pPr>
             <a:r>
               <a:rPr lang="en" sz="1500"/>
-              <a:t>Configuration of the project and scene settings</a:t>
+              <a:t>Configuration of the project and scene settings such as the camera and game object hierarchy</a:t>
             </a:r>
             <a:endParaRPr sz="1500"/>
           </a:p>
@@ -14083,8 +14492,8 @@
         </p:nvSpPr>
         <p:spPr>
           <a:xfrm>
-            <a:off x="891250" y="1458100"/>
-            <a:ext cx="3506400" cy="2529600"/>
+            <a:off x="562250" y="1458100"/>
+            <a:ext cx="3835500" cy="2717100"/>
           </a:xfrm>
           <a:prstGeom prst="rect">
             <a:avLst/>
@@ -14116,7 +14525,7 @@
             <a:endParaRPr sz="1500"/>
           </a:p>
           <a:p>
-            <a:pPr indent="-323850" lvl="0" marL="457200" rtl="0" algn="l">
+            <a:pPr indent="-323850" lvl="1" marL="914400" rtl="0" algn="l">
               <a:lnSpc>
                 <a:spcPct val="95000"/>
               </a:lnSpc>
@@ -14127,11 +14536,11 @@
                 <a:spcPts val="0"/>
               </a:spcAft>
               <a:buSzPts val="1500"/>
-              <a:buChar char="●"/>
+              <a:buChar char="○"/>
             </a:pPr>
             <a:r>
               <a:rPr lang="en" sz="1500"/>
-              <a:t>Colliders and Renderers for realistic piece movement and collision</a:t>
+              <a:t>Prefabs include Colliders and Renderers for realistic piece movement and collision</a:t>
             </a:r>
             <a:endParaRPr sz="1500"/>
           </a:p>
@@ -14541,7 +14950,7 @@
         <p:spPr>
           <a:xfrm>
             <a:off x="870425" y="1458100"/>
-            <a:ext cx="3506400" cy="2613300"/>
+            <a:ext cx="3506400" cy="3206400"/>
           </a:xfrm>
           <a:prstGeom prst="rect">
             <a:avLst/>
@@ -14549,76 +14958,76 @@
         </p:spPr>
         <p:txBody>
           <a:bodyPr anchorCtr="0" anchor="t" bIns="91425" lIns="91425" spcFirstLastPara="1" rIns="91425" wrap="square" tIns="91425">
-            <a:normAutofit/>
+            <a:noAutofit/>
           </a:bodyPr>
           <a:lstStyle/>
           <a:p>
-            <a:pPr indent="-311150" lvl="0" marL="457200" rtl="0" algn="l">
-              <a:spcBef>
-                <a:spcPts val="0"/>
-              </a:spcBef>
-              <a:spcAft>
-                <a:spcPts val="0"/>
-              </a:spcAft>
-              <a:buSzPts val="1300"/>
+            <a:pPr indent="-317500" lvl="0" marL="457200" rtl="0" algn="l">
+              <a:spcBef>
+                <a:spcPts val="0"/>
+              </a:spcBef>
+              <a:spcAft>
+                <a:spcPts val="0"/>
+              </a:spcAft>
+              <a:buSzPts val="1400"/>
               <a:buChar char="●"/>
             </a:pPr>
             <a:r>
-              <a:rPr lang="en"/>
+              <a:rPr lang="en" sz="1400"/>
               <a:t>After initialization, and after every move, pieces update their validMoves list</a:t>
             </a:r>
-            <a:endParaRPr/>
-          </a:p>
-          <a:p>
-            <a:pPr indent="-311150" lvl="0" marL="457200" rtl="0" algn="l">
-              <a:spcBef>
-                <a:spcPts val="0"/>
-              </a:spcBef>
-              <a:spcAft>
-                <a:spcPts val="0"/>
-              </a:spcAft>
-              <a:buSzPts val="1300"/>
+            <a:endParaRPr sz="1400"/>
+          </a:p>
+          <a:p>
+            <a:pPr indent="-317500" lvl="0" marL="457200" rtl="0" algn="l">
+              <a:spcBef>
+                <a:spcPts val="0"/>
+              </a:spcBef>
+              <a:spcAft>
+                <a:spcPts val="0"/>
+              </a:spcAft>
+              <a:buSzPts val="1400"/>
               <a:buChar char="●"/>
             </a:pPr>
             <a:r>
-              <a:rPr lang="en"/>
+              <a:rPr lang="en" sz="1400"/>
               <a:t>Move input is done by dragging pieces with the mouse</a:t>
             </a:r>
-            <a:endParaRPr/>
-          </a:p>
-          <a:p>
-            <a:pPr indent="-311150" lvl="0" marL="457200" rtl="0" algn="l">
-              <a:spcBef>
-                <a:spcPts val="0"/>
-              </a:spcBef>
-              <a:spcAft>
-                <a:spcPts val="0"/>
-              </a:spcAft>
-              <a:buSzPts val="1300"/>
+            <a:endParaRPr sz="1400"/>
+          </a:p>
+          <a:p>
+            <a:pPr indent="-317500" lvl="0" marL="457200" rtl="0" algn="l">
+              <a:spcBef>
+                <a:spcPts val="0"/>
+              </a:spcBef>
+              <a:spcAft>
+                <a:spcPts val="0"/>
+              </a:spcAft>
+              <a:buSzPts val="1400"/>
               <a:buChar char="●"/>
             </a:pPr>
             <a:r>
-              <a:rPr lang="en"/>
-              <a:t>A ray is fired from the tip of the mouse, and returns any piece object intersecting it</a:t>
-            </a:r>
-            <a:endParaRPr/>
-          </a:p>
-          <a:p>
-            <a:pPr indent="-311150" lvl="0" marL="457200" rtl="0" algn="l">
-              <a:spcBef>
-                <a:spcPts val="0"/>
-              </a:spcBef>
-              <a:spcAft>
-                <a:spcPts val="0"/>
-              </a:spcAft>
-              <a:buSzPts val="1300"/>
+              <a:rPr lang="en" sz="1400"/>
+              <a:t>A ray is emitted from the tip of the mouse, and returns any piece object intersecting it</a:t>
+            </a:r>
+            <a:endParaRPr sz="1400"/>
+          </a:p>
+          <a:p>
+            <a:pPr indent="-317500" lvl="0" marL="457200" rtl="0" algn="l">
+              <a:spcBef>
+                <a:spcPts val="0"/>
+              </a:spcBef>
+              <a:spcAft>
+                <a:spcPts val="0"/>
+              </a:spcAft>
+              <a:buSzPts val="1400"/>
               <a:buChar char="●"/>
             </a:pPr>
             <a:r>
-              <a:rPr lang="en"/>
+              <a:rPr lang="en" sz="1400"/>
               <a:t>When a piece is released the move is completed if the destination tile is contained in the pieces’ validMoves list</a:t>
             </a:r>
-            <a:endParaRPr/>
+            <a:endParaRPr sz="1400"/>
           </a:p>
         </p:txBody>
       </p:sp>
@@ -14725,8 +15134,8 @@
         </p:nvSpPr>
         <p:spPr>
           <a:xfrm>
-            <a:off x="891250" y="1894975"/>
-            <a:ext cx="3506400" cy="1926300"/>
+            <a:off x="753050" y="1894975"/>
+            <a:ext cx="3885300" cy="2072100"/>
           </a:xfrm>
           <a:prstGeom prst="rect">
             <a:avLst/>
@@ -14738,38 +15147,38 @@
           </a:bodyPr>
           <a:lstStyle/>
           <a:p>
-            <a:pPr indent="-311150" lvl="0" marL="457200" rtl="0" algn="l">
-              <a:spcBef>
-                <a:spcPts val="0"/>
-              </a:spcBef>
-              <a:spcAft>
-                <a:spcPts val="0"/>
-              </a:spcAft>
-              <a:buSzPts val="1300"/>
+            <a:pPr indent="-323850" lvl="0" marL="457200" rtl="0" algn="l">
+              <a:spcBef>
+                <a:spcPts val="0"/>
+              </a:spcBef>
+              <a:spcAft>
+                <a:spcPts val="0"/>
+              </a:spcAft>
+              <a:buSzPts val="1500"/>
               <a:buChar char="●"/>
             </a:pPr>
             <a:r>
-              <a:rPr lang="en"/>
+              <a:rPr lang="en" sz="1500"/>
               <a:t>Designing the main menu layout with "Play" and "Quit" buttons</a:t>
             </a:r>
-            <a:endParaRPr/>
-          </a:p>
-          <a:p>
-            <a:pPr indent="-311150" lvl="0" marL="457200" rtl="0" algn="l">
-              <a:spcBef>
-                <a:spcPts val="0"/>
-              </a:spcBef>
-              <a:spcAft>
-                <a:spcPts val="0"/>
-              </a:spcAft>
-              <a:buSzPts val="1300"/>
+            <a:endParaRPr sz="1500"/>
+          </a:p>
+          <a:p>
+            <a:pPr indent="-323850" lvl="0" marL="457200" rtl="0" algn="l">
+              <a:spcBef>
+                <a:spcPts val="0"/>
+              </a:spcBef>
+              <a:spcAft>
+                <a:spcPts val="0"/>
+              </a:spcAft>
+              <a:buSzPts val="1500"/>
               <a:buChar char="●"/>
             </a:pPr>
             <a:r>
-              <a:rPr lang="en"/>
+              <a:rPr lang="en" sz="1500"/>
               <a:t>Game over screen allows user to start a new game, or return to the main menu</a:t>
             </a:r>
-            <a:endParaRPr/>
+            <a:endParaRPr sz="1500"/>
           </a:p>
         </p:txBody>
       </p:sp>
